--- a/课程PPT/13.ECMAScript 6 一（9、ES6变量作用域与let）.pptx
+++ b/课程PPT/13.ECMAScript 6 一（9、ES6变量作用域与let）.pptx
@@ -4007,16 +4007,7 @@
                 </a:solidFill>
                 <a:sym typeface="+mn-ea"/>
               </a:rPr>
-              <a:t>来</a:t>
-            </a:r>
-            <a:r>
-              <a:rPr lang="zh-CN" altLang="en-US" sz="3200" dirty="0" smtClean="0">
-                <a:solidFill>
-                  <a:schemeClr val="tx1"/>
-                </a:solidFill>
-                <a:sym typeface="+mn-ea"/>
-              </a:rPr>
-              <a:t>声明常量，也常用来声明</a:t>
+              <a:t>来声明常量，也常用来声明</a:t>
             </a:r>
             <a:r>
               <a:rPr lang="zh-CN" sz="3200" dirty="0" smtClean="0">
@@ -4078,13 +4069,7 @@
               <a:rPr kumimoji="0" lang="zh-CN" altLang="en-US" dirty="0">
                 <a:sym typeface="+mn-ea"/>
               </a:rPr>
-              <a:t>与</a:t>
-            </a:r>
-            <a:r>
-              <a:rPr kumimoji="0" lang="zh-CN" altLang="en-US" dirty="0">
-                <a:sym typeface="+mn-ea"/>
-              </a:rPr>
-              <a:t>const</a:t>
+              <a:t>与const</a:t>
             </a:r>
             <a:endParaRPr lang="zh-CN" altLang="en-US" dirty="0"/>
           </a:p>
@@ -4201,7 +4186,7 @@
         </p:blipFill>
         <p:spPr>
           <a:xfrm>
-            <a:off x="5807075" y="1939290"/>
+            <a:off x="5807075" y="1867535"/>
             <a:ext cx="4563745" cy="3230880"/>
           </a:xfrm>
           <a:prstGeom prst="rect">
@@ -5521,11 +5506,7 @@
             </a:r>
             <a:r>
               <a:rPr kumimoji="0" lang="zh-CN" altLang="en-US" dirty="0"/>
-              <a:t>不进行</a:t>
-            </a:r>
-            <a:r>
-              <a:rPr kumimoji="0" lang="zh-CN" altLang="en-US" dirty="0"/>
-              <a:t>变量提升特性</a:t>
+              <a:t>不进行变量提升特性</a:t>
             </a:r>
             <a:endParaRPr kumimoji="0" lang="zh-CN" altLang="en-US" dirty="0"/>
           </a:p>
@@ -6994,17 +6975,7 @@
                 <a:latin typeface="+mn-ea"/>
                 <a:ea typeface="+mn-ea"/>
               </a:rPr>
-              <a:t>暂时性死区</a:t>
-            </a:r>
-            <a:r>
-              <a:rPr lang="zh-CN" altLang="en-US" sz="2200">
-                <a:solidFill>
-                  <a:srgbClr val="FF0000"/>
-                </a:solidFill>
-                <a:latin typeface="+mn-ea"/>
-                <a:ea typeface="+mn-ea"/>
-              </a:rPr>
-              <a:t>特性</a:t>
+              <a:t>暂时性死区特性</a:t>
             </a:r>
             <a:endParaRPr lang="zh-CN" altLang="en-US" sz="2200" dirty="0" smtClean="0">
               <a:solidFill>
@@ -9578,16 +9549,7 @@
                 </a:solidFill>
                 <a:sym typeface="+mn-ea"/>
               </a:rPr>
-              <a:t>）</a:t>
-            </a:r>
-            <a:r>
-              <a:rPr kumimoji="0" lang="zh-CN" altLang="en-US" sz="3200" dirty="0">
-                <a:solidFill>
-                  <a:schemeClr val="tx1"/>
-                </a:solidFill>
-                <a:sym typeface="+mn-ea"/>
-              </a:rPr>
-              <a:t>是</a:t>
+              <a:t>）是</a:t>
             </a:r>
             <a:r>
               <a:rPr kumimoji="0" lang="en-US" altLang="zh-CN" sz="3200" dirty="0">

--- a/课程PPT/13.ECMAScript 6 一（9、ES6变量作用域与let）.pptx
+++ b/课程PPT/13.ECMAScript 6 一（9、ES6变量作用域与let）.pptx
@@ -11399,9 +11399,18 @@
                 </a:solidFill>
                 <a:sym typeface="+mn-ea"/>
               </a:rPr>
-              <a:t>可能造成变量的非期望共享）</a:t>
-            </a:r>
-            <a:endParaRPr lang="en-US" altLang="zh-CN" sz="3200" dirty="0" smtClean="0">
+              <a:t>可能造成变量的非期望共享</a:t>
+            </a:r>
+            <a:r>
+              <a:rPr kumimoji="0" lang="zh-CN" altLang="en-US" sz="3200" dirty="0" smtClean="0">
+                <a:solidFill>
+                  <a:schemeClr val="tx1"/>
+                </a:solidFill>
+                <a:sym typeface="+mn-ea"/>
+              </a:rPr>
+              <a:t>）</a:t>
+            </a:r>
+            <a:endParaRPr kumimoji="0" lang="zh-CN" altLang="en-US" sz="3200" dirty="0" smtClean="0">
               <a:solidFill>
                 <a:schemeClr val="tx1"/>
               </a:solidFill>
